--- a/MJ/08.초대방법및권한설정.pptx
+++ b/MJ/08.초대방법및권한설정.pptx
@@ -290,7 +290,7 @@
           <a:p>
             <a:fld id="{1FB7BD49-E51A-401B-B202-178BC3488398}" type="datetimeFigureOut">
               <a:rPr lang="ko-KR" altLang="en-US" smtClean="0"/>
-              <a:t>2019-10-06</a:t>
+              <a:t>2019-10-09</a:t>
             </a:fld>
             <a:endParaRPr lang="ko-KR" altLang="en-US"/>
           </a:p>
@@ -460,7 +460,7 @@
           <a:p>
             <a:fld id="{1FB7BD49-E51A-401B-B202-178BC3488398}" type="datetimeFigureOut">
               <a:rPr lang="ko-KR" altLang="en-US" smtClean="0"/>
-              <a:t>2019-10-06</a:t>
+              <a:t>2019-10-09</a:t>
             </a:fld>
             <a:endParaRPr lang="ko-KR" altLang="en-US"/>
           </a:p>
@@ -640,7 +640,7 @@
           <a:p>
             <a:fld id="{1FB7BD49-E51A-401B-B202-178BC3488398}" type="datetimeFigureOut">
               <a:rPr lang="ko-KR" altLang="en-US" smtClean="0"/>
-              <a:t>2019-10-06</a:t>
+              <a:t>2019-10-09</a:t>
             </a:fld>
             <a:endParaRPr lang="ko-KR" altLang="en-US"/>
           </a:p>
@@ -810,7 +810,7 @@
           <a:p>
             <a:fld id="{1FB7BD49-E51A-401B-B202-178BC3488398}" type="datetimeFigureOut">
               <a:rPr lang="ko-KR" altLang="en-US" smtClean="0"/>
-              <a:t>2019-10-06</a:t>
+              <a:t>2019-10-09</a:t>
             </a:fld>
             <a:endParaRPr lang="ko-KR" altLang="en-US"/>
           </a:p>
@@ -1056,7 +1056,7 @@
           <a:p>
             <a:fld id="{1FB7BD49-E51A-401B-B202-178BC3488398}" type="datetimeFigureOut">
               <a:rPr lang="ko-KR" altLang="en-US" smtClean="0"/>
-              <a:t>2019-10-06</a:t>
+              <a:t>2019-10-09</a:t>
             </a:fld>
             <a:endParaRPr lang="ko-KR" altLang="en-US"/>
           </a:p>
@@ -1344,7 +1344,7 @@
           <a:p>
             <a:fld id="{1FB7BD49-E51A-401B-B202-178BC3488398}" type="datetimeFigureOut">
               <a:rPr lang="ko-KR" altLang="en-US" smtClean="0"/>
-              <a:t>2019-10-06</a:t>
+              <a:t>2019-10-09</a:t>
             </a:fld>
             <a:endParaRPr lang="ko-KR" altLang="en-US"/>
           </a:p>
@@ -1766,7 +1766,7 @@
           <a:p>
             <a:fld id="{1FB7BD49-E51A-401B-B202-178BC3488398}" type="datetimeFigureOut">
               <a:rPr lang="ko-KR" altLang="en-US" smtClean="0"/>
-              <a:t>2019-10-06</a:t>
+              <a:t>2019-10-09</a:t>
             </a:fld>
             <a:endParaRPr lang="ko-KR" altLang="en-US"/>
           </a:p>
@@ -1884,7 +1884,7 @@
           <a:p>
             <a:fld id="{1FB7BD49-E51A-401B-B202-178BC3488398}" type="datetimeFigureOut">
               <a:rPr lang="ko-KR" altLang="en-US" smtClean="0"/>
-              <a:t>2019-10-06</a:t>
+              <a:t>2019-10-09</a:t>
             </a:fld>
             <a:endParaRPr lang="ko-KR" altLang="en-US"/>
           </a:p>
@@ -1979,7 +1979,7 @@
           <a:p>
             <a:fld id="{1FB7BD49-E51A-401B-B202-178BC3488398}" type="datetimeFigureOut">
               <a:rPr lang="ko-KR" altLang="en-US" smtClean="0"/>
-              <a:t>2019-10-06</a:t>
+              <a:t>2019-10-09</a:t>
             </a:fld>
             <a:endParaRPr lang="ko-KR" altLang="en-US"/>
           </a:p>
@@ -2256,7 +2256,7 @@
           <a:p>
             <a:fld id="{1FB7BD49-E51A-401B-B202-178BC3488398}" type="datetimeFigureOut">
               <a:rPr lang="ko-KR" altLang="en-US" smtClean="0"/>
-              <a:t>2019-10-06</a:t>
+              <a:t>2019-10-09</a:t>
             </a:fld>
             <a:endParaRPr lang="ko-KR" altLang="en-US"/>
           </a:p>
@@ -2509,7 +2509,7 @@
           <a:p>
             <a:fld id="{1FB7BD49-E51A-401B-B202-178BC3488398}" type="datetimeFigureOut">
               <a:rPr lang="ko-KR" altLang="en-US" smtClean="0"/>
-              <a:t>2019-10-06</a:t>
+              <a:t>2019-10-09</a:t>
             </a:fld>
             <a:endParaRPr lang="ko-KR" altLang="en-US"/>
           </a:p>
@@ -2722,7 +2722,7 @@
           <a:p>
             <a:fld id="{1FB7BD49-E51A-401B-B202-178BC3488398}" type="datetimeFigureOut">
               <a:rPr lang="ko-KR" altLang="en-US" smtClean="0"/>
-              <a:t>2019-10-06</a:t>
+              <a:t>2019-10-09</a:t>
             </a:fld>
             <a:endParaRPr lang="ko-KR" altLang="en-US"/>
           </a:p>
@@ -3142,14 +3142,7 @@
                 <a:latin typeface="나눔스퀘어 ExtraBold" pitchFamily="50" charset="-127"/>
                 <a:ea typeface="나눔스퀘어 ExtraBold" pitchFamily="50" charset="-127"/>
               </a:rPr>
-              <a:t>초대 방법 및 권한 </a:t>
-            </a:r>
-            <a:r>
-              <a:rPr lang="ko-KR" altLang="en-US" sz="3600" dirty="0" smtClean="0">
-                <a:latin typeface="나눔스퀘어 ExtraBold" pitchFamily="50" charset="-127"/>
-                <a:ea typeface="나눔스퀘어 ExtraBold" pitchFamily="50" charset="-127"/>
-              </a:rPr>
-              <a:t>설정 </a:t>
+              <a:t>초대 방법 및 권한 설정 </a:t>
             </a:r>
             <a:r>
               <a:rPr lang="en-US" altLang="ko-KR" sz="3600" dirty="0" smtClean="0">
@@ -4062,10 +4055,6 @@
                         </a:rPr>
                         <a:t>- </a:t>
                       </a:r>
-                      <a:endParaRPr lang="en-US" altLang="ko-KR" sz="1200" dirty="0" smtClean="0">
-                        <a:latin typeface="나눔스퀘어" pitchFamily="50" charset="-127"/>
-                        <a:ea typeface="나눔스퀘어" pitchFamily="50" charset="-127"/>
-                      </a:endParaRPr>
                     </a:p>
                     <a:p>
                       <a:pPr algn="ctr" latinLnBrk="1"/>
@@ -5240,7 +5229,7 @@
         <p:spPr>
           <a:xfrm>
             <a:off x="323528" y="6150816"/>
-            <a:ext cx="4799712" cy="276999"/>
+            <a:ext cx="7635424" cy="276999"/>
           </a:xfrm>
           <a:prstGeom prst="rect">
             <a:avLst/>
@@ -5279,35 +5268,49 @@
                 <a:latin typeface="나눔스퀘어" pitchFamily="50" charset="-127"/>
                 <a:ea typeface="나눔스퀘어" pitchFamily="50" charset="-127"/>
               </a:rPr>
-              <a:t>권한 받은 회원의 구분 기준</a:t>
+              <a:t>권한 받은 회원의 </a:t>
+            </a:r>
+            <a:r>
+              <a:rPr lang="ko-KR" altLang="en-US" sz="1200" dirty="0" smtClean="0">
+                <a:latin typeface="나눔스퀘어" pitchFamily="50" charset="-127"/>
+                <a:ea typeface="나눔스퀘어" pitchFamily="50" charset="-127"/>
+              </a:rPr>
+              <a:t>구분</a:t>
             </a:r>
             <a:r>
               <a:rPr lang="en-US" altLang="ko-KR" sz="1200" dirty="0" smtClean="0">
                 <a:latin typeface="나눔스퀘어" pitchFamily="50" charset="-127"/>
                 <a:ea typeface="나눔스퀘어" pitchFamily="50" charset="-127"/>
               </a:rPr>
-              <a:t>??? </a:t>
-            </a:r>
-            <a:r>
-              <a:rPr lang="ko-KR" altLang="en-US" sz="1200" dirty="0" err="1" smtClean="0">
-                <a:latin typeface="나눔스퀘어" pitchFamily="50" charset="-127"/>
-                <a:ea typeface="나눔스퀘어" pitchFamily="50" charset="-127"/>
-              </a:rPr>
-              <a:t>이메일</a:t>
+              <a:t> – </a:t>
             </a:r>
             <a:r>
               <a:rPr lang="ko-KR" altLang="en-US" sz="1200" dirty="0" smtClean="0">
                 <a:latin typeface="나눔스퀘어" pitchFamily="50" charset="-127"/>
                 <a:ea typeface="나눔스퀘어" pitchFamily="50" charset="-127"/>
               </a:rPr>
-              <a:t> 인증 여부인가</a:t>
+              <a:t>링크를 받은 친구가 </a:t>
             </a:r>
             <a:r>
               <a:rPr lang="en-US" altLang="ko-KR" sz="1200" dirty="0" smtClean="0">
                 <a:latin typeface="나눔스퀘어" pitchFamily="50" charset="-127"/>
                 <a:ea typeface="나눔스퀘어" pitchFamily="50" charset="-127"/>
               </a:rPr>
-              <a:t>?? </a:t>
+              <a:t>write</a:t>
+            </a:r>
+            <a:r>
+              <a:rPr lang="ko-KR" altLang="en-US" sz="1200" dirty="0" smtClean="0">
+                <a:latin typeface="나눔스퀘어" pitchFamily="50" charset="-127"/>
+                <a:ea typeface="나눔스퀘어" pitchFamily="50" charset="-127"/>
+              </a:rPr>
+              <a:t>하기 위해선 관리자에게 권한을 달라고 요청해야 함</a:t>
+            </a:r>
+            <a:r>
+              <a:rPr lang="en-US" altLang="ko-KR" sz="1200" dirty="0" smtClean="0">
+                <a:latin typeface="나눔스퀘어" pitchFamily="50" charset="-127"/>
+                <a:ea typeface="나눔스퀘어" pitchFamily="50" charset="-127"/>
+              </a:rPr>
+              <a:t>! </a:t>
             </a:r>
             <a:endParaRPr lang="ko-KR" altLang="en-US" sz="1200" dirty="0">
               <a:latin typeface="나눔스퀘어" pitchFamily="50" charset="-127"/>
